--- a/doc/video-09-validity.pptx
+++ b/doc/video-09-validity.pptx
@@ -37998,7 +37998,7 @@
             </a:r>
             <a:r>
               <a:rPr/>
-              <a:t>outdorrs</a:t>
+              <a:t>outdoors</a:t>
             </a:r>
             <a:r>
               <a:rPr/>
